--- a/資料/支援パターン.pptx
+++ b/資料/支援パターン.pptx
@@ -249,7 +249,7 @@
           <a:p>
             <a:fld id="{84865B55-8E61-4FA9-8B93-7F3A6C20D0F3}" type="datetimeFigureOut">
               <a:rPr kumimoji="1" lang="ja-JP" altLang="en-US" smtClean="0"/>
-              <a:t>2015/10/9</a:t>
+              <a:t>2015/10/30</a:t>
             </a:fld>
             <a:endParaRPr kumimoji="1" lang="ja-JP" altLang="en-US" dirty="0"/>
           </a:p>
@@ -451,7 +451,7 @@
           <a:p>
             <a:fld id="{84865B55-8E61-4FA9-8B93-7F3A6C20D0F3}" type="datetimeFigureOut">
               <a:rPr kumimoji="1" lang="ja-JP" altLang="en-US" smtClean="0"/>
-              <a:t>2015/10/9</a:t>
+              <a:t>2015/10/30</a:t>
             </a:fld>
             <a:endParaRPr kumimoji="1" lang="ja-JP" altLang="en-US" dirty="0"/>
           </a:p>
@@ -663,7 +663,7 @@
           <a:p>
             <a:fld id="{84865B55-8E61-4FA9-8B93-7F3A6C20D0F3}" type="datetimeFigureOut">
               <a:rPr kumimoji="1" lang="ja-JP" altLang="en-US" smtClean="0"/>
-              <a:t>2015/10/9</a:t>
+              <a:t>2015/10/30</a:t>
             </a:fld>
             <a:endParaRPr kumimoji="1" lang="ja-JP" altLang="en-US" dirty="0"/>
           </a:p>
@@ -865,7 +865,7 @@
           <a:p>
             <a:fld id="{84865B55-8E61-4FA9-8B93-7F3A6C20D0F3}" type="datetimeFigureOut">
               <a:rPr kumimoji="1" lang="ja-JP" altLang="en-US" smtClean="0"/>
-              <a:t>2015/10/9</a:t>
+              <a:t>2015/10/30</a:t>
             </a:fld>
             <a:endParaRPr kumimoji="1" lang="ja-JP" altLang="en-US" dirty="0"/>
           </a:p>
@@ -1109,7 +1109,7 @@
           <a:p>
             <a:fld id="{84865B55-8E61-4FA9-8B93-7F3A6C20D0F3}" type="datetimeFigureOut">
               <a:rPr kumimoji="1" lang="ja-JP" altLang="en-US" smtClean="0"/>
-              <a:t>2015/10/9</a:t>
+              <a:t>2015/10/30</a:t>
             </a:fld>
             <a:endParaRPr kumimoji="1" lang="ja-JP" altLang="en-US" dirty="0"/>
           </a:p>
@@ -1405,7 +1405,7 @@
           <a:p>
             <a:fld id="{84865B55-8E61-4FA9-8B93-7F3A6C20D0F3}" type="datetimeFigureOut">
               <a:rPr kumimoji="1" lang="ja-JP" altLang="en-US" smtClean="0"/>
-              <a:t>2015/10/9</a:t>
+              <a:t>2015/10/30</a:t>
             </a:fld>
             <a:endParaRPr kumimoji="1" lang="ja-JP" altLang="en-US" dirty="0"/>
           </a:p>
@@ -1836,7 +1836,7 @@
           <a:p>
             <a:fld id="{84865B55-8E61-4FA9-8B93-7F3A6C20D0F3}" type="datetimeFigureOut">
               <a:rPr kumimoji="1" lang="ja-JP" altLang="en-US" smtClean="0"/>
-              <a:t>2015/10/9</a:t>
+              <a:t>2015/10/30</a:t>
             </a:fld>
             <a:endParaRPr kumimoji="1" lang="ja-JP" altLang="en-US" dirty="0"/>
           </a:p>
@@ -1954,7 +1954,7 @@
           <a:p>
             <a:fld id="{84865B55-8E61-4FA9-8B93-7F3A6C20D0F3}" type="datetimeFigureOut">
               <a:rPr kumimoji="1" lang="ja-JP" altLang="en-US" smtClean="0"/>
-              <a:t>2015/10/9</a:t>
+              <a:t>2015/10/30</a:t>
             </a:fld>
             <a:endParaRPr kumimoji="1" lang="ja-JP" altLang="en-US" dirty="0"/>
           </a:p>
@@ -2049,7 +2049,7 @@
           <a:p>
             <a:fld id="{84865B55-8E61-4FA9-8B93-7F3A6C20D0F3}" type="datetimeFigureOut">
               <a:rPr kumimoji="1" lang="ja-JP" altLang="en-US" smtClean="0"/>
-              <a:t>2015/10/9</a:t>
+              <a:t>2015/10/30</a:t>
             </a:fld>
             <a:endParaRPr kumimoji="1" lang="ja-JP" altLang="en-US" dirty="0"/>
           </a:p>
@@ -2358,7 +2358,7 @@
           <a:p>
             <a:fld id="{84865B55-8E61-4FA9-8B93-7F3A6C20D0F3}" type="datetimeFigureOut">
               <a:rPr kumimoji="1" lang="ja-JP" altLang="en-US" smtClean="0"/>
-              <a:t>2015/10/9</a:t>
+              <a:t>2015/10/30</a:t>
             </a:fld>
             <a:endParaRPr kumimoji="1" lang="ja-JP" altLang="en-US" dirty="0"/>
           </a:p>
@@ -2615,7 +2615,7 @@
           <a:p>
             <a:fld id="{84865B55-8E61-4FA9-8B93-7F3A6C20D0F3}" type="datetimeFigureOut">
               <a:rPr kumimoji="1" lang="ja-JP" altLang="en-US" smtClean="0"/>
-              <a:t>2015/10/9</a:t>
+              <a:t>2015/10/30</a:t>
             </a:fld>
             <a:endParaRPr kumimoji="1" lang="ja-JP" altLang="en-US" dirty="0"/>
           </a:p>
@@ -2860,7 +2860,7 @@
           <a:p>
             <a:fld id="{84865B55-8E61-4FA9-8B93-7F3A6C20D0F3}" type="datetimeFigureOut">
               <a:rPr kumimoji="1" lang="ja-JP" altLang="en-US" smtClean="0"/>
-              <a:t>2015/10/9</a:t>
+              <a:t>2015/10/30</a:t>
             </a:fld>
             <a:endParaRPr kumimoji="1" lang="ja-JP" altLang="en-US" dirty="0"/>
           </a:p>
@@ -3909,7 +3909,7 @@
         <p:spPr>
           <a:xfrm>
             <a:off x="3551171" y="3782512"/>
-            <a:ext cx="2225289" cy="646331"/>
+            <a:ext cx="2225289" cy="369332"/>
           </a:xfrm>
           <a:prstGeom prst="rect">
             <a:avLst/>
@@ -3942,13 +3942,6 @@
           <a:lstStyle/>
           <a:p>
             <a:r>
-              <a:rPr lang="ja-JP" altLang="en-US" dirty="0"/>
-              <a:t>入力待ち</a:t>
-            </a:r>
-            <a:endParaRPr kumimoji="1" lang="en-US" altLang="ja-JP" dirty="0" smtClean="0"/>
-          </a:p>
-          <a:p>
-            <a:r>
               <a:rPr kumimoji="1" lang="ja-JP" altLang="en-US" dirty="0" smtClean="0"/>
               <a:t>無限ループの可能性</a:t>
             </a:r>
@@ -4597,6 +4590,186 @@
               <a:t>処理の順</a:t>
             </a:r>
             <a:endParaRPr kumimoji="1" lang="en-US" altLang="ja-JP" dirty="0" smtClean="0"/>
+          </a:p>
+        </p:txBody>
+      </p:sp>
+      <p:sp>
+        <p:nvSpPr>
+          <p:cNvPr id="36" name="下矢印 35"/>
+          <p:cNvSpPr/>
+          <p:nvPr/>
+        </p:nvSpPr>
+        <p:spPr>
+          <a:xfrm rot="12905812">
+            <a:off x="5423497" y="2562422"/>
+            <a:ext cx="420639" cy="354983"/>
+          </a:xfrm>
+          <a:prstGeom prst="downArrow">
+            <a:avLst/>
+          </a:prstGeom>
+        </p:spPr>
+        <p:style>
+          <a:lnRef idx="2">
+            <a:schemeClr val="accent3">
+              <a:shade val="50000"/>
+            </a:schemeClr>
+          </a:lnRef>
+          <a:fillRef idx="1">
+            <a:schemeClr val="accent3"/>
+          </a:fillRef>
+          <a:effectRef idx="0">
+            <a:schemeClr val="accent3"/>
+          </a:effectRef>
+          <a:fontRef idx="minor">
+            <a:schemeClr val="lt1"/>
+          </a:fontRef>
+        </p:style>
+        <p:txBody>
+          <a:bodyPr rtlCol="0" anchor="ctr"/>
+          <a:lstStyle/>
+          <a:p>
+            <a:pPr algn="ctr"/>
+            <a:r>
+              <a:rPr lang="en-US" altLang="ja-JP" dirty="0"/>
+              <a:t>N</a:t>
+            </a:r>
+            <a:endParaRPr kumimoji="1" lang="ja-JP" altLang="en-US" dirty="0"/>
+          </a:p>
+        </p:txBody>
+      </p:sp>
+      <p:sp>
+        <p:nvSpPr>
+          <p:cNvPr id="37" name="テキスト ボックス 36"/>
+          <p:cNvSpPr txBox="1"/>
+          <p:nvPr/>
+        </p:nvSpPr>
+        <p:spPr>
+          <a:xfrm>
+            <a:off x="5845219" y="2306555"/>
+            <a:ext cx="1999265" cy="369332"/>
+          </a:xfrm>
+          <a:prstGeom prst="rect">
+            <a:avLst/>
+          </a:prstGeom>
+          <a:solidFill>
+            <a:schemeClr val="accent4">
+              <a:lumMod val="20000"/>
+              <a:lumOff val="80000"/>
+            </a:schemeClr>
+          </a:solidFill>
+        </p:spPr>
+        <p:style>
+          <a:lnRef idx="2">
+            <a:schemeClr val="dk1"/>
+          </a:lnRef>
+          <a:fillRef idx="1">
+            <a:schemeClr val="lt1"/>
+          </a:fillRef>
+          <a:effectRef idx="0">
+            <a:schemeClr val="dk1"/>
+          </a:effectRef>
+          <a:fontRef idx="minor">
+            <a:schemeClr val="dk1"/>
+          </a:fontRef>
+        </p:style>
+        <p:txBody>
+          <a:bodyPr wrap="none" rtlCol="0">
+            <a:spAutoFit/>
+          </a:bodyPr>
+          <a:lstStyle/>
+          <a:p>
+            <a:r>
+              <a:rPr lang="ja-JP" altLang="en-US" dirty="0"/>
+              <a:t>入力</a:t>
+            </a:r>
+            <a:r>
+              <a:rPr lang="ja-JP" altLang="en-US" dirty="0" smtClean="0"/>
+              <a:t>待ち</a:t>
+            </a:r>
+            <a:r>
+              <a:rPr lang="ja-JP" altLang="en-US" dirty="0"/>
+              <a:t>の可能性</a:t>
+            </a:r>
+            <a:endParaRPr kumimoji="1" lang="en-US" altLang="ja-JP" dirty="0" smtClean="0"/>
+          </a:p>
+        </p:txBody>
+      </p:sp>
+      <p:sp>
+        <p:nvSpPr>
+          <p:cNvPr id="3" name="テキスト ボックス 2"/>
+          <p:cNvSpPr txBox="1"/>
+          <p:nvPr/>
+        </p:nvSpPr>
+        <p:spPr>
+          <a:xfrm>
+            <a:off x="3608075" y="4126972"/>
+            <a:ext cx="2190023" cy="415498"/>
+          </a:xfrm>
+          <a:prstGeom prst="rect">
+            <a:avLst/>
+          </a:prstGeom>
+          <a:noFill/>
+        </p:spPr>
+        <p:txBody>
+          <a:bodyPr wrap="none" rtlCol="0">
+            <a:spAutoFit/>
+          </a:bodyPr>
+          <a:lstStyle/>
+          <a:p>
+            <a:r>
+              <a:rPr kumimoji="1" lang="en-US" altLang="ja-JP" sz="1050" dirty="0" smtClean="0"/>
+              <a:t>for</a:t>
+            </a:r>
+            <a:r>
+              <a:rPr kumimoji="1" lang="ja-JP" altLang="en-US" sz="1050" dirty="0" smtClean="0"/>
+              <a:t>文の条件式やその条件式に使う</a:t>
+            </a:r>
+            <a:endParaRPr kumimoji="1" lang="en-US" altLang="ja-JP" sz="1050" dirty="0" smtClean="0"/>
+          </a:p>
+          <a:p>
+            <a:r>
+              <a:rPr lang="ja-JP" altLang="en-US" sz="1050" dirty="0"/>
+              <a:t>変数</a:t>
+            </a:r>
+            <a:r>
+              <a:rPr lang="ja-JP" altLang="en-US" sz="1050" dirty="0" smtClean="0"/>
+              <a:t>の値の確認</a:t>
+            </a:r>
+            <a:endParaRPr kumimoji="1" lang="ja-JP" altLang="en-US" sz="1050" dirty="0"/>
+          </a:p>
+        </p:txBody>
+      </p:sp>
+      <p:sp>
+        <p:nvSpPr>
+          <p:cNvPr id="12" name="テキスト ボックス 11"/>
+          <p:cNvSpPr txBox="1"/>
+          <p:nvPr/>
+        </p:nvSpPr>
+        <p:spPr>
+          <a:xfrm>
+            <a:off x="6237258" y="2655467"/>
+            <a:ext cx="1277914" cy="246221"/>
+          </a:xfrm>
+          <a:prstGeom prst="rect">
+            <a:avLst/>
+          </a:prstGeom>
+          <a:noFill/>
+        </p:spPr>
+        <p:txBody>
+          <a:bodyPr wrap="none" rtlCol="0">
+            <a:spAutoFit/>
+          </a:bodyPr>
+          <a:lstStyle/>
+          <a:p>
+            <a:r>
+              <a:rPr kumimoji="1" lang="ja-JP" altLang="en-US" sz="1000" dirty="0" smtClean="0"/>
+              <a:t>何かしら入力し</a:t>
+            </a:r>
+            <a:r>
+              <a:rPr kumimoji="1" lang="en-US" altLang="ja-JP" sz="1000" dirty="0" smtClean="0"/>
+              <a:t>Enter</a:t>
+            </a:r>
+            <a:endParaRPr kumimoji="1" lang="ja-JP" altLang="en-US" sz="1000" dirty="0"/>
           </a:p>
         </p:txBody>
       </p:sp>
@@ -5742,7 +5915,7 @@
         </p:nvSpPr>
         <p:spPr>
           <a:xfrm>
-            <a:off x="413226" y="971721"/>
+            <a:off x="276257" y="2062656"/>
             <a:ext cx="3079689" cy="923330"/>
           </a:xfrm>
           <a:prstGeom prst="rect">
@@ -5775,7 +5948,7 @@
             </a:r>
             <a:r>
               <a:rPr lang="ja-JP" altLang="en-US" dirty="0" smtClean="0"/>
-              <a:t>文</a:t>
+              <a:t>文・</a:t>
             </a:r>
             <a:r>
               <a:rPr lang="en-US" altLang="ja-JP" dirty="0" smtClean="0"/>
@@ -5783,7 +5956,7 @@
             </a:r>
             <a:r>
               <a:rPr lang="ja-JP" altLang="en-US" dirty="0" smtClean="0"/>
-              <a:t>文</a:t>
+              <a:t>文・メソッド・</a:t>
             </a:r>
             <a:endParaRPr lang="en-US" altLang="ja-JP" dirty="0" smtClean="0"/>
           </a:p>
@@ -5815,7 +5988,7 @@
         </p:nvSpPr>
         <p:spPr>
           <a:xfrm>
-            <a:off x="1328524" y="1979366"/>
+            <a:off x="1191555" y="3070301"/>
             <a:ext cx="438150" cy="523875"/>
           </a:xfrm>
           <a:prstGeom prst="downArrow">
@@ -5859,7 +6032,7 @@
         </p:nvSpPr>
         <p:spPr>
           <a:xfrm>
-            <a:off x="413226" y="2590174"/>
+            <a:off x="276257" y="3681109"/>
             <a:ext cx="2262158" cy="646331"/>
           </a:xfrm>
           <a:prstGeom prst="rect">
@@ -5913,7 +6086,7 @@
         </p:nvSpPr>
         <p:spPr>
           <a:xfrm>
-            <a:off x="3591545" y="1216692"/>
+            <a:off x="3454576" y="2307627"/>
             <a:ext cx="628650" cy="433388"/>
           </a:xfrm>
           <a:prstGeom prst="rightArrow">
@@ -5957,8 +6130,8 @@
         </p:nvSpPr>
         <p:spPr>
           <a:xfrm>
-            <a:off x="4318825" y="1110220"/>
-            <a:ext cx="3318537" cy="923330"/>
+            <a:off x="4181856" y="2062656"/>
+            <a:ext cx="3318537" cy="1200329"/>
           </a:xfrm>
           <a:prstGeom prst="rect">
             <a:avLst/>
@@ -6003,10 +6176,16 @@
           </a:p>
           <a:p>
             <a:r>
-              <a:rPr lang="ja-JP" altLang="en-US" dirty="0" smtClean="0"/>
-              <a:t>③へ</a:t>
-            </a:r>
-            <a:endParaRPr kumimoji="1" lang="ja-JP" altLang="en-US" dirty="0"/>
+              <a:rPr lang="ja-JP" altLang="en-US" dirty="0"/>
+              <a:t>処理が分割できそうなら①へ</a:t>
+            </a:r>
+            <a:endParaRPr lang="en-US" altLang="ja-JP" dirty="0"/>
+          </a:p>
+          <a:p>
+            <a:r>
+              <a:rPr lang="ja-JP" altLang="en-US" dirty="0"/>
+              <a:t>できそうにないなら③へ</a:t>
+            </a:r>
           </a:p>
         </p:txBody>
       </p:sp>
@@ -6018,7 +6197,7 @@
         </p:nvSpPr>
         <p:spPr>
           <a:xfrm>
-            <a:off x="1930977" y="1979366"/>
+            <a:off x="1794008" y="3070301"/>
             <a:ext cx="438150" cy="515083"/>
           </a:xfrm>
           <a:prstGeom prst="upArrow">
@@ -6062,7 +6241,7 @@
         </p:nvSpPr>
         <p:spPr>
           <a:xfrm>
-            <a:off x="2748603" y="2696645"/>
+            <a:off x="2611634" y="3787580"/>
             <a:ext cx="628650" cy="433388"/>
           </a:xfrm>
           <a:prstGeom prst="rightArrow">
@@ -6100,18 +6279,21 @@
       </p:sp>
       <p:sp>
         <p:nvSpPr>
-          <p:cNvPr id="13" name="テキスト ボックス 12"/>
+          <p:cNvPr id="15" name="テキスト ボックス 14"/>
           <p:cNvSpPr txBox="1"/>
           <p:nvPr/>
         </p:nvSpPr>
         <p:spPr>
           <a:xfrm>
-            <a:off x="3450472" y="2590173"/>
-            <a:ext cx="3794629" cy="923330"/>
+            <a:off x="3313503" y="3681108"/>
+            <a:ext cx="3794629" cy="1200329"/>
           </a:xfrm>
           <a:prstGeom prst="rect">
             <a:avLst/>
           </a:prstGeom>
+          <a:solidFill>
+            <a:schemeClr val="bg1"/>
+          </a:solidFill>
         </p:spPr>
         <p:style>
           <a:lnRef idx="2">
@@ -6165,7 +6347,158 @@
           <a:p>
             <a:r>
               <a:rPr lang="ja-JP" altLang="en-US" dirty="0" smtClean="0"/>
-              <a:t>③へ</a:t>
+              <a:t>処理が分割できそうなら①へ</a:t>
+            </a:r>
+            <a:endParaRPr lang="en-US" altLang="ja-JP" dirty="0" smtClean="0"/>
+          </a:p>
+          <a:p>
+            <a:r>
+              <a:rPr kumimoji="1" lang="ja-JP" altLang="en-US" dirty="0" smtClean="0"/>
+              <a:t>できそうにないなら③へ</a:t>
+            </a:r>
+            <a:endParaRPr kumimoji="1" lang="ja-JP" altLang="en-US" dirty="0"/>
+          </a:p>
+        </p:txBody>
+      </p:sp>
+      <p:sp>
+        <p:nvSpPr>
+          <p:cNvPr id="13" name="テキスト ボックス 12"/>
+          <p:cNvSpPr txBox="1"/>
+          <p:nvPr/>
+        </p:nvSpPr>
+        <p:spPr>
+          <a:xfrm>
+            <a:off x="276257" y="977999"/>
+            <a:ext cx="3619902" cy="369332"/>
+          </a:xfrm>
+          <a:prstGeom prst="rect">
+            <a:avLst/>
+          </a:prstGeom>
+          <a:solidFill>
+            <a:schemeClr val="bg1"/>
+          </a:solidFill>
+        </p:spPr>
+        <p:style>
+          <a:lnRef idx="2">
+            <a:schemeClr val="dk1"/>
+          </a:lnRef>
+          <a:fillRef idx="1">
+            <a:schemeClr val="lt1"/>
+          </a:fillRef>
+          <a:effectRef idx="0">
+            <a:schemeClr val="dk1"/>
+          </a:effectRef>
+          <a:fontRef idx="minor">
+            <a:schemeClr val="dk1"/>
+          </a:fontRef>
+        </p:style>
+        <p:txBody>
+          <a:bodyPr wrap="none" rtlCol="0">
+            <a:spAutoFit/>
+          </a:bodyPr>
+          <a:lstStyle/>
+          <a:p>
+            <a:r>
+              <a:rPr lang="ja-JP" altLang="en-US" dirty="0" smtClean="0"/>
+              <a:t>処理</a:t>
+            </a:r>
+            <a:r>
+              <a:rPr lang="ja-JP" altLang="en-US" dirty="0" smtClean="0"/>
+              <a:t>が</a:t>
+            </a:r>
+            <a:r>
+              <a:rPr lang="ja-JP" altLang="en-US" dirty="0" smtClean="0"/>
+              <a:t>分割</a:t>
+            </a:r>
+            <a:r>
+              <a:rPr kumimoji="1" lang="ja-JP" altLang="en-US" dirty="0" smtClean="0"/>
+              <a:t>できそう</a:t>
+            </a:r>
+            <a:r>
+              <a:rPr kumimoji="1" lang="ja-JP" altLang="en-US" dirty="0" smtClean="0"/>
+              <a:t>にないなら③へ</a:t>
+            </a:r>
+            <a:endParaRPr kumimoji="1" lang="ja-JP" altLang="en-US" dirty="0"/>
+          </a:p>
+        </p:txBody>
+      </p:sp>
+      <p:sp>
+        <p:nvSpPr>
+          <p:cNvPr id="14" name="下矢印 13"/>
+          <p:cNvSpPr/>
+          <p:nvPr/>
+        </p:nvSpPr>
+        <p:spPr>
+          <a:xfrm>
+            <a:off x="1443940" y="1443056"/>
+            <a:ext cx="438150" cy="523875"/>
+          </a:xfrm>
+          <a:prstGeom prst="downArrow">
+            <a:avLst/>
+          </a:prstGeom>
+        </p:spPr>
+        <p:style>
+          <a:lnRef idx="2">
+            <a:schemeClr val="accent3">
+              <a:shade val="50000"/>
+            </a:schemeClr>
+          </a:lnRef>
+          <a:fillRef idx="1">
+            <a:schemeClr val="accent3"/>
+          </a:fillRef>
+          <a:effectRef idx="0">
+            <a:schemeClr val="accent3"/>
+          </a:effectRef>
+          <a:fontRef idx="minor">
+            <a:schemeClr val="lt1"/>
+          </a:fontRef>
+        </p:style>
+        <p:txBody>
+          <a:bodyPr rtlCol="0" anchor="ctr"/>
+          <a:lstStyle/>
+          <a:p>
+            <a:pPr algn="ctr"/>
+            <a:endParaRPr kumimoji="1" lang="ja-JP" altLang="en-US" dirty="0"/>
+          </a:p>
+        </p:txBody>
+      </p:sp>
+      <p:sp>
+        <p:nvSpPr>
+          <p:cNvPr id="3" name="テキスト ボックス 2"/>
+          <p:cNvSpPr txBox="1"/>
+          <p:nvPr/>
+        </p:nvSpPr>
+        <p:spPr>
+          <a:xfrm>
+            <a:off x="1900203" y="1367533"/>
+            <a:ext cx="4621778" cy="369332"/>
+          </a:xfrm>
+          <a:prstGeom prst="rect">
+            <a:avLst/>
+          </a:prstGeom>
+          <a:noFill/>
+        </p:spPr>
+        <p:txBody>
+          <a:bodyPr wrap="none" rtlCol="0">
+            <a:spAutoFit/>
+          </a:bodyPr>
+          <a:lstStyle/>
+          <a:p>
+            <a:r>
+              <a:rPr kumimoji="1" lang="en-US" altLang="ja-JP" dirty="0" smtClean="0"/>
+              <a:t>※while</a:t>
+            </a:r>
+            <a:r>
+              <a:rPr kumimoji="1" lang="ja-JP" altLang="en-US" dirty="0" smtClean="0"/>
+              <a:t>文</a:t>
+            </a:r>
+            <a:r>
+              <a:rPr lang="ja-JP" altLang="en-US" dirty="0"/>
+              <a:t>内</a:t>
+            </a:r>
+            <a:r>
+              <a:rPr kumimoji="1" lang="ja-JP" altLang="en-US" dirty="0" smtClean="0"/>
+              <a:t>では繰り返し全て正しければ「正」</a:t>
             </a:r>
             <a:endParaRPr kumimoji="1" lang="ja-JP" altLang="en-US" dirty="0"/>
           </a:p>
@@ -6317,7 +6650,7 @@
         </p:nvSpPr>
         <p:spPr>
           <a:xfrm>
-            <a:off x="1227533" y="1245291"/>
+            <a:off x="1227533" y="1295573"/>
             <a:ext cx="438150" cy="523875"/>
           </a:xfrm>
           <a:prstGeom prst="downArrow">
@@ -6406,7 +6739,7 @@
         <p:spPr>
           <a:xfrm>
             <a:off x="3250920" y="816318"/>
-            <a:ext cx="1338828" cy="369332"/>
+            <a:ext cx="3898824" cy="923330"/>
           </a:xfrm>
           <a:prstGeom prst="rect">
             <a:avLst/>
@@ -6434,7 +6767,21 @@
           <a:p>
             <a:r>
               <a:rPr kumimoji="1" lang="ja-JP" altLang="en-US" dirty="0" smtClean="0"/>
-              <a:t>分岐先③へ</a:t>
+              <a:t>分岐先にバグが存在</a:t>
+            </a:r>
+            <a:endParaRPr kumimoji="1" lang="en-US" altLang="ja-JP" dirty="0" smtClean="0"/>
+          </a:p>
+          <a:p>
+            <a:r>
+              <a:rPr kumimoji="1" lang="ja-JP" altLang="en-US" dirty="0" smtClean="0"/>
+              <a:t>分岐先の処理が分割できそうなら①へ</a:t>
+            </a:r>
+            <a:endParaRPr kumimoji="1" lang="en-US" altLang="ja-JP" dirty="0" smtClean="0"/>
+          </a:p>
+          <a:p>
+            <a:r>
+              <a:rPr kumimoji="1" lang="ja-JP" altLang="en-US" dirty="0" smtClean="0"/>
+              <a:t>そうでないなら③へ</a:t>
             </a:r>
             <a:endParaRPr kumimoji="1" lang="ja-JP" altLang="en-US" dirty="0"/>
           </a:p>
@@ -6448,7 +6795,7 @@
         </p:nvSpPr>
         <p:spPr>
           <a:xfrm>
-            <a:off x="464608" y="1828807"/>
+            <a:off x="464608" y="1969479"/>
             <a:ext cx="2874505" cy="369332"/>
           </a:xfrm>
           <a:prstGeom prst="rect">
@@ -6491,7 +6838,7 @@
         </p:nvSpPr>
         <p:spPr>
           <a:xfrm>
-            <a:off x="1227533" y="2259023"/>
+            <a:off x="1227533" y="2399695"/>
             <a:ext cx="438150" cy="523875"/>
           </a:xfrm>
           <a:prstGeom prst="downArrow">
@@ -6535,7 +6882,7 @@
         </p:nvSpPr>
         <p:spPr>
           <a:xfrm>
-            <a:off x="3433478" y="1794908"/>
+            <a:off x="3433478" y="1935580"/>
             <a:ext cx="628650" cy="433388"/>
           </a:xfrm>
           <a:prstGeom prst="rightArrow">
@@ -6579,7 +6926,7 @@
         </p:nvSpPr>
         <p:spPr>
           <a:xfrm>
-            <a:off x="4156493" y="1688437"/>
+            <a:off x="4156493" y="1829109"/>
             <a:ext cx="2031325" cy="646331"/>
           </a:xfrm>
           <a:prstGeom prst="rect">
@@ -6629,7 +6976,7 @@
         </p:nvSpPr>
         <p:spPr>
           <a:xfrm>
-            <a:off x="464608" y="2841296"/>
+            <a:off x="464608" y="2981968"/>
             <a:ext cx="2031325" cy="369332"/>
           </a:xfrm>
           <a:prstGeom prst="rect">
@@ -6672,7 +7019,7 @@
         </p:nvSpPr>
         <p:spPr>
           <a:xfrm>
-            <a:off x="2622270" y="2805527"/>
+            <a:off x="2622270" y="2946199"/>
             <a:ext cx="628650" cy="433388"/>
           </a:xfrm>
           <a:prstGeom prst="rightArrow">
@@ -6716,7 +7063,7 @@
         </p:nvSpPr>
         <p:spPr>
           <a:xfrm>
-            <a:off x="3377257" y="2837555"/>
+            <a:off x="3377257" y="2978227"/>
             <a:ext cx="1048685" cy="369332"/>
           </a:xfrm>
           <a:prstGeom prst="rect">
@@ -6759,7 +7106,7 @@
         </p:nvSpPr>
         <p:spPr>
           <a:xfrm>
-            <a:off x="1227533" y="3274789"/>
+            <a:off x="1227533" y="3415461"/>
             <a:ext cx="438150" cy="523875"/>
           </a:xfrm>
           <a:prstGeom prst="downArrow">
@@ -6803,7 +7150,7 @@
         </p:nvSpPr>
         <p:spPr>
           <a:xfrm>
-            <a:off x="892610" y="3873182"/>
+            <a:off x="892610" y="4013854"/>
             <a:ext cx="1338828" cy="646331"/>
           </a:xfrm>
           <a:prstGeom prst="rect">
@@ -6934,7 +7281,7 @@
         </p:nvSpPr>
         <p:spPr>
           <a:xfrm>
-            <a:off x="1227533" y="1245291"/>
+            <a:off x="1227534" y="1328942"/>
             <a:ext cx="438150" cy="523875"/>
           </a:xfrm>
           <a:prstGeom prst="downArrow">
@@ -7016,14 +7363,14 @@
       </p:sp>
       <p:sp>
         <p:nvSpPr>
-          <p:cNvPr id="18" name="テキスト ボックス 17"/>
+          <p:cNvPr id="19" name="テキスト ボックス 18"/>
           <p:cNvSpPr txBox="1"/>
           <p:nvPr/>
         </p:nvSpPr>
         <p:spPr>
           <a:xfrm>
-            <a:off x="3725705" y="816318"/>
-            <a:ext cx="1686680" cy="369332"/>
+            <a:off x="464609" y="1969177"/>
+            <a:ext cx="2874505" cy="369332"/>
           </a:xfrm>
           <a:prstGeom prst="rect">
             <a:avLst/>
@@ -7051,26 +7398,110 @@
           <a:p>
             <a:r>
               <a:rPr kumimoji="1" lang="ja-JP" altLang="en-US" dirty="0" smtClean="0"/>
-              <a:t>繰り返し</a:t>
-            </a:r>
+              <a:t>条件に使う変数の値の確認</a:t>
+            </a:r>
+            <a:endParaRPr kumimoji="1" lang="ja-JP" altLang="en-US" dirty="0"/>
+          </a:p>
+        </p:txBody>
+      </p:sp>
+      <p:sp>
+        <p:nvSpPr>
+          <p:cNvPr id="20" name="下矢印 19"/>
+          <p:cNvSpPr/>
+          <p:nvPr/>
+        </p:nvSpPr>
+        <p:spPr>
+          <a:xfrm>
+            <a:off x="1227534" y="2399393"/>
+            <a:ext cx="438150" cy="523875"/>
+          </a:xfrm>
+          <a:prstGeom prst="downArrow">
+            <a:avLst/>
+          </a:prstGeom>
+        </p:spPr>
+        <p:style>
+          <a:lnRef idx="2">
+            <a:schemeClr val="accent3">
+              <a:shade val="50000"/>
+            </a:schemeClr>
+          </a:lnRef>
+          <a:fillRef idx="1">
+            <a:schemeClr val="accent3"/>
+          </a:fillRef>
+          <a:effectRef idx="0">
+            <a:schemeClr val="accent3"/>
+          </a:effectRef>
+          <a:fontRef idx="minor">
+            <a:schemeClr val="lt1"/>
+          </a:fontRef>
+        </p:style>
+        <p:txBody>
+          <a:bodyPr rtlCol="0" anchor="ctr"/>
+          <a:lstStyle/>
+          <a:p>
+            <a:pPr algn="ctr"/>
             <a:r>
               <a:rPr kumimoji="1" lang="ja-JP" altLang="en-US" dirty="0" smtClean="0"/>
-              <a:t>内③へ</a:t>
-            </a:r>
-            <a:endParaRPr kumimoji="1" lang="ja-JP" altLang="en-US" dirty="0"/>
-          </a:p>
-        </p:txBody>
-      </p:sp>
-      <p:sp>
-        <p:nvSpPr>
-          <p:cNvPr id="19" name="テキスト ボックス 18"/>
+              <a:t>正</a:t>
+            </a:r>
+            <a:endParaRPr kumimoji="1" lang="ja-JP" altLang="en-US" dirty="0"/>
+          </a:p>
+        </p:txBody>
+      </p:sp>
+      <p:sp>
+        <p:nvSpPr>
+          <p:cNvPr id="21" name="右矢印 20"/>
+          <p:cNvSpPr/>
+          <p:nvPr/>
+        </p:nvSpPr>
+        <p:spPr>
+          <a:xfrm>
+            <a:off x="3433479" y="1935278"/>
+            <a:ext cx="628650" cy="433388"/>
+          </a:xfrm>
+          <a:prstGeom prst="rightArrow">
+            <a:avLst/>
+          </a:prstGeom>
+        </p:spPr>
+        <p:style>
+          <a:lnRef idx="2">
+            <a:schemeClr val="accent3">
+              <a:shade val="50000"/>
+            </a:schemeClr>
+          </a:lnRef>
+          <a:fillRef idx="1">
+            <a:schemeClr val="accent3"/>
+          </a:fillRef>
+          <a:effectRef idx="0">
+            <a:schemeClr val="accent3"/>
+          </a:effectRef>
+          <a:fontRef idx="minor">
+            <a:schemeClr val="lt1"/>
+          </a:fontRef>
+        </p:style>
+        <p:txBody>
+          <a:bodyPr rtlCol="0" anchor="ctr"/>
+          <a:lstStyle/>
+          <a:p>
+            <a:pPr algn="ctr"/>
+            <a:r>
+              <a:rPr lang="ja-JP" altLang="en-US" dirty="0"/>
+              <a:t>誤</a:t>
+            </a:r>
+            <a:endParaRPr kumimoji="1" lang="ja-JP" altLang="en-US" dirty="0"/>
+          </a:p>
+        </p:txBody>
+      </p:sp>
+      <p:sp>
+        <p:nvSpPr>
+          <p:cNvPr id="23" name="テキスト ボックス 22"/>
           <p:cNvSpPr txBox="1"/>
           <p:nvPr/>
         </p:nvSpPr>
         <p:spPr>
           <a:xfrm>
-            <a:off x="464608" y="1828807"/>
-            <a:ext cx="2874505" cy="369332"/>
+            <a:off x="464609" y="2981666"/>
+            <a:ext cx="2031325" cy="369332"/>
           </a:xfrm>
           <a:prstGeom prst="rect">
             <a:avLst/>
@@ -7098,24 +7529,24 @@
           <a:p>
             <a:r>
               <a:rPr kumimoji="1" lang="ja-JP" altLang="en-US" dirty="0" smtClean="0"/>
-              <a:t>条件に使う変数の値の確認</a:t>
-            </a:r>
-            <a:endParaRPr kumimoji="1" lang="ja-JP" altLang="en-US" dirty="0"/>
-          </a:p>
-        </p:txBody>
-      </p:sp>
-      <p:sp>
-        <p:nvSpPr>
-          <p:cNvPr id="20" name="下矢印 19"/>
+              <a:t>条件の条件式確認</a:t>
+            </a:r>
+            <a:endParaRPr kumimoji="1" lang="ja-JP" altLang="en-US" dirty="0"/>
+          </a:p>
+        </p:txBody>
+      </p:sp>
+      <p:sp>
+        <p:nvSpPr>
+          <p:cNvPr id="24" name="右矢印 23"/>
           <p:cNvSpPr/>
           <p:nvPr/>
         </p:nvSpPr>
         <p:spPr>
           <a:xfrm>
-            <a:off x="1227533" y="2259023"/>
-            <a:ext cx="438150" cy="523875"/>
-          </a:xfrm>
-          <a:prstGeom prst="downArrow">
+            <a:off x="2622271" y="2945897"/>
+            <a:ext cx="628650" cy="433388"/>
+          </a:xfrm>
+          <a:prstGeom prst="rightArrow">
             <a:avLst/>
           </a:prstGeom>
         </p:spPr>
@@ -7141,50 +7572,6 @@
           <a:p>
             <a:pPr algn="ctr"/>
             <a:r>
-              <a:rPr kumimoji="1" lang="ja-JP" altLang="en-US" dirty="0" smtClean="0"/>
-              <a:t>正</a:t>
-            </a:r>
-            <a:endParaRPr kumimoji="1" lang="ja-JP" altLang="en-US" dirty="0"/>
-          </a:p>
-        </p:txBody>
-      </p:sp>
-      <p:sp>
-        <p:nvSpPr>
-          <p:cNvPr id="21" name="右矢印 20"/>
-          <p:cNvSpPr/>
-          <p:nvPr/>
-        </p:nvSpPr>
-        <p:spPr>
-          <a:xfrm>
-            <a:off x="3433478" y="1794908"/>
-            <a:ext cx="628650" cy="433388"/>
-          </a:xfrm>
-          <a:prstGeom prst="rightArrow">
-            <a:avLst/>
-          </a:prstGeom>
-        </p:spPr>
-        <p:style>
-          <a:lnRef idx="2">
-            <a:schemeClr val="accent3">
-              <a:shade val="50000"/>
-            </a:schemeClr>
-          </a:lnRef>
-          <a:fillRef idx="1">
-            <a:schemeClr val="accent3"/>
-          </a:fillRef>
-          <a:effectRef idx="0">
-            <a:schemeClr val="accent3"/>
-          </a:effectRef>
-          <a:fontRef idx="minor">
-            <a:schemeClr val="lt1"/>
-          </a:fontRef>
-        </p:style>
-        <p:txBody>
-          <a:bodyPr rtlCol="0" anchor="ctr"/>
-          <a:lstStyle/>
-          <a:p>
-            <a:pPr algn="ctr"/>
-            <a:r>
               <a:rPr lang="ja-JP" altLang="en-US" dirty="0"/>
               <a:t>誤</a:t>
             </a:r>
@@ -7194,14 +7581,14 @@
       </p:sp>
       <p:sp>
         <p:nvSpPr>
-          <p:cNvPr id="23" name="テキスト ボックス 22"/>
+          <p:cNvPr id="25" name="テキスト ボックス 24"/>
           <p:cNvSpPr txBox="1"/>
           <p:nvPr/>
         </p:nvSpPr>
         <p:spPr>
           <a:xfrm>
-            <a:off x="464608" y="2841296"/>
-            <a:ext cx="2031325" cy="369332"/>
+            <a:off x="3377258" y="2977925"/>
+            <a:ext cx="1048685" cy="369332"/>
           </a:xfrm>
           <a:prstGeom prst="rect">
             <a:avLst/>
@@ -7229,93 +7616,6 @@
           <a:p>
             <a:r>
               <a:rPr kumimoji="1" lang="ja-JP" altLang="en-US" dirty="0" smtClean="0"/>
-              <a:t>条件の条件式確認</a:t>
-            </a:r>
-            <a:endParaRPr kumimoji="1" lang="ja-JP" altLang="en-US" dirty="0"/>
-          </a:p>
-        </p:txBody>
-      </p:sp>
-      <p:sp>
-        <p:nvSpPr>
-          <p:cNvPr id="24" name="右矢印 23"/>
-          <p:cNvSpPr/>
-          <p:nvPr/>
-        </p:nvSpPr>
-        <p:spPr>
-          <a:xfrm>
-            <a:off x="2622270" y="2805527"/>
-            <a:ext cx="628650" cy="433388"/>
-          </a:xfrm>
-          <a:prstGeom prst="rightArrow">
-            <a:avLst/>
-          </a:prstGeom>
-        </p:spPr>
-        <p:style>
-          <a:lnRef idx="2">
-            <a:schemeClr val="accent3">
-              <a:shade val="50000"/>
-            </a:schemeClr>
-          </a:lnRef>
-          <a:fillRef idx="1">
-            <a:schemeClr val="accent3"/>
-          </a:fillRef>
-          <a:effectRef idx="0">
-            <a:schemeClr val="accent3"/>
-          </a:effectRef>
-          <a:fontRef idx="minor">
-            <a:schemeClr val="lt1"/>
-          </a:fontRef>
-        </p:style>
-        <p:txBody>
-          <a:bodyPr rtlCol="0" anchor="ctr"/>
-          <a:lstStyle/>
-          <a:p>
-            <a:pPr algn="ctr"/>
-            <a:r>
-              <a:rPr lang="ja-JP" altLang="en-US" dirty="0"/>
-              <a:t>誤</a:t>
-            </a:r>
-            <a:endParaRPr kumimoji="1" lang="ja-JP" altLang="en-US" dirty="0"/>
-          </a:p>
-        </p:txBody>
-      </p:sp>
-      <p:sp>
-        <p:nvSpPr>
-          <p:cNvPr id="25" name="テキスト ボックス 24"/>
-          <p:cNvSpPr txBox="1"/>
-          <p:nvPr/>
-        </p:nvSpPr>
-        <p:spPr>
-          <a:xfrm>
-            <a:off x="3377257" y="2837555"/>
-            <a:ext cx="1048685" cy="369332"/>
-          </a:xfrm>
-          <a:prstGeom prst="rect">
-            <a:avLst/>
-          </a:prstGeom>
-        </p:spPr>
-        <p:style>
-          <a:lnRef idx="2">
-            <a:schemeClr val="dk1"/>
-          </a:lnRef>
-          <a:fillRef idx="1">
-            <a:schemeClr val="lt1"/>
-          </a:fillRef>
-          <a:effectRef idx="0">
-            <a:schemeClr val="dk1"/>
-          </a:effectRef>
-          <a:fontRef idx="minor">
-            <a:schemeClr val="dk1"/>
-          </a:fontRef>
-        </p:style>
-        <p:txBody>
-          <a:bodyPr wrap="none" rtlCol="0">
-            <a:spAutoFit/>
-          </a:bodyPr>
-          <a:lstStyle/>
-          <a:p>
-            <a:r>
-              <a:rPr kumimoji="1" lang="ja-JP" altLang="en-US" dirty="0" smtClean="0"/>
               <a:t>誤り修正</a:t>
             </a:r>
             <a:endParaRPr kumimoji="1" lang="ja-JP" altLang="en-US" dirty="0"/>
@@ -7330,7 +7630,7 @@
         </p:nvSpPr>
         <p:spPr>
           <a:xfrm>
-            <a:off x="1227533" y="3274789"/>
+            <a:off x="1227534" y="3415159"/>
             <a:ext cx="438150" cy="523875"/>
           </a:xfrm>
           <a:prstGeom prst="downArrow">
@@ -7439,7 +7739,7 @@
         </p:nvSpPr>
         <p:spPr>
           <a:xfrm>
-            <a:off x="4156493" y="1688437"/>
+            <a:off x="4156494" y="1828807"/>
             <a:ext cx="2031325" cy="646331"/>
           </a:xfrm>
           <a:prstGeom prst="rect">
@@ -7489,7 +7789,7 @@
         </p:nvSpPr>
         <p:spPr>
           <a:xfrm>
-            <a:off x="892610" y="3873182"/>
+            <a:off x="892611" y="4013552"/>
             <a:ext cx="1338828" cy="646331"/>
           </a:xfrm>
           <a:prstGeom prst="rect">
@@ -7530,6 +7830,63 @@
             <a:r>
               <a:rPr lang="ja-JP" altLang="en-US" dirty="0"/>
               <a:t>部分</a:t>
+            </a:r>
+            <a:endParaRPr kumimoji="1" lang="ja-JP" altLang="en-US" dirty="0"/>
+          </a:p>
+        </p:txBody>
+      </p:sp>
+      <p:sp>
+        <p:nvSpPr>
+          <p:cNvPr id="16" name="テキスト ボックス 15"/>
+          <p:cNvSpPr txBox="1"/>
+          <p:nvPr/>
+        </p:nvSpPr>
+        <p:spPr>
+          <a:xfrm>
+            <a:off x="3719459" y="816318"/>
+            <a:ext cx="4246675" cy="923330"/>
+          </a:xfrm>
+          <a:prstGeom prst="rect">
+            <a:avLst/>
+          </a:prstGeom>
+        </p:spPr>
+        <p:style>
+          <a:lnRef idx="2">
+            <a:schemeClr val="dk1"/>
+          </a:lnRef>
+          <a:fillRef idx="1">
+            <a:schemeClr val="lt1"/>
+          </a:fillRef>
+          <a:effectRef idx="0">
+            <a:schemeClr val="dk1"/>
+          </a:effectRef>
+          <a:fontRef idx="minor">
+            <a:schemeClr val="dk1"/>
+          </a:fontRef>
+        </p:style>
+        <p:txBody>
+          <a:bodyPr wrap="none" rtlCol="0">
+            <a:spAutoFit/>
+          </a:bodyPr>
+          <a:lstStyle/>
+          <a:p>
+            <a:r>
+              <a:rPr kumimoji="1" lang="ja-JP" altLang="en-US" dirty="0" smtClean="0"/>
+              <a:t>繰り返し内にバグが存在</a:t>
+            </a:r>
+            <a:endParaRPr kumimoji="1" lang="en-US" altLang="ja-JP" dirty="0" smtClean="0"/>
+          </a:p>
+          <a:p>
+            <a:r>
+              <a:rPr kumimoji="1" lang="ja-JP" altLang="en-US" dirty="0" smtClean="0"/>
+              <a:t>繰り返し内の処理が分割できそうなら①へ</a:t>
+            </a:r>
+            <a:endParaRPr kumimoji="1" lang="en-US" altLang="ja-JP" dirty="0" smtClean="0"/>
+          </a:p>
+          <a:p>
+            <a:r>
+              <a:rPr kumimoji="1" lang="ja-JP" altLang="en-US" dirty="0" smtClean="0"/>
+              <a:t>そうでないなら③へ</a:t>
             </a:r>
             <a:endParaRPr kumimoji="1" lang="ja-JP" altLang="en-US" dirty="0"/>
           </a:p>
@@ -7942,11 +8299,7 @@
           <a:p>
             <a:r>
               <a:rPr kumimoji="1" lang="ja-JP" altLang="en-US" dirty="0" smtClean="0"/>
-              <a:t>式もしくは定数に</a:t>
-            </a:r>
-            <a:r>
-              <a:rPr kumimoji="1" lang="ja-JP" altLang="en-US" dirty="0" smtClean="0"/>
-              <a:t>間違い</a:t>
+              <a:t>式もしくは定数に間違い</a:t>
             </a:r>
             <a:endParaRPr kumimoji="1" lang="ja-JP" altLang="en-US" dirty="0"/>
           </a:p>
